--- a/day1/slides/06_Database_search.pptx
+++ b/day1/slides/06_Database_search.pptx
@@ -5845,7 +5845,7 @@
                 <a:cs typeface="Calibri"/>
                 <a:sym typeface="Calibri"/>
               </a:rPr>
-              <a:t>Leskosec</a:t>
+              <a:t>Leskosek</a:t>
             </a:r>
             <a:r>
               <a:rPr lang="en-US" sz="2400" b="0" i="1" u="none" strike="noStrike" cap="none" dirty="0" smtClean="0">
@@ -5974,19 +5974,7 @@
               <a:rPr lang="en-US" altLang="he-IL" b="1" dirty="0" smtClean="0">
                 <a:latin typeface="Calibri" panose="020F0502020204030204" pitchFamily="34" charset="0"/>
               </a:rPr>
-              <a:t>Solutions to </a:t>
-            </a:r>
-            <a:r>
-              <a:rPr lang="en-US" altLang="he-IL" b="1" dirty="0" smtClean="0">
-                <a:latin typeface="Calibri" panose="020F0502020204030204" pitchFamily="34" charset="0"/>
-              </a:rPr>
-              <a:t>alleviate </a:t>
-            </a:r>
-            <a:r>
-              <a:rPr lang="en-US" altLang="he-IL" b="1" dirty="0" smtClean="0">
-                <a:latin typeface="Calibri" panose="020F0502020204030204" pitchFamily="34" charset="0"/>
-              </a:rPr>
-              <a:t>the bottleneck</a:t>
+              <a:t>Solutions to alleviate the bottleneck</a:t>
             </a:r>
             <a:endParaRPr lang="en-US" altLang="he-IL" b="1" dirty="0">
               <a:latin typeface="Calibri" panose="020F0502020204030204" pitchFamily="34" charset="0"/>
@@ -6028,8 +6016,11 @@
                 </a:solidFill>
                 <a:latin typeface="Calibri" panose="020F0502020204030204" pitchFamily="34" charset="0"/>
               </a:rPr>
-              <a:t> the process. With one of the two following </a:t>
-            </a:r>
+              <a:t> the process. With one of the two following approaches:</a:t>
+            </a:r>
+          </a:p>
+          <a:p>
+            <a:pPr lvl="1"/>
             <a:r>
               <a:rPr lang="en-US" altLang="he-IL" dirty="0" smtClean="0">
                 <a:solidFill>
@@ -6037,14 +6028,8 @@
                 </a:solidFill>
                 <a:latin typeface="Calibri" panose="020F0502020204030204" pitchFamily="34" charset="0"/>
               </a:rPr>
-              <a:t>approaches:</a:t>
-            </a:r>
-            <a:endParaRPr lang="en-US" altLang="he-IL" dirty="0" smtClean="0">
-              <a:solidFill>
-                <a:srgbClr val="2F5897"/>
-              </a:solidFill>
-              <a:latin typeface="Calibri" panose="020F0502020204030204" pitchFamily="34" charset="0"/>
-            </a:endParaRPr>
+              <a:t>Split the query file into N chunks and process each of them in parallel against the reference database</a:t>
+            </a:r>
           </a:p>
           <a:p>
             <a:pPr lvl="1"/>
@@ -6055,29 +6040,13 @@
                 </a:solidFill>
                 <a:latin typeface="Calibri" panose="020F0502020204030204" pitchFamily="34" charset="0"/>
               </a:rPr>
-              <a:t>Split the query file into N chunks and process each of them in parallel against the reference database</a:t>
-            </a:r>
-          </a:p>
-          <a:p>
-            <a:pPr lvl="1"/>
-            <a:r>
-              <a:rPr lang="en-US" altLang="he-IL" dirty="0" smtClean="0">
-                <a:solidFill>
-                  <a:srgbClr val="2F5897"/>
-                </a:solidFill>
-                <a:latin typeface="Calibri" panose="020F0502020204030204" pitchFamily="34" charset="0"/>
-              </a:rPr>
               <a:t>Split the database into N chunks and </a:t>
             </a:r>
           </a:p>
           <a:p>
             <a:r>
               <a:rPr lang="en-US" altLang="he-IL" dirty="0" smtClean="0"/>
-              <a:t>Use alternate methods, designed to speed up the search process (e.g. </a:t>
-            </a:r>
-            <a:r>
-              <a:rPr lang="en-US" altLang="he-IL" dirty="0" smtClean="0"/>
-              <a:t>BLAT [3])</a:t>
+              <a:t>Use alternate methods, designed to speed up the search process (e.g. BLAT [3])</a:t>
             </a:r>
             <a:endParaRPr lang="en-US" altLang="he-IL" dirty="0" smtClean="0">
               <a:solidFill>
@@ -7534,7 +7503,6 @@
               <a:rPr lang="en-US" altLang="he-IL" dirty="0" smtClean="0"/>
               <a:t>Some examples:</a:t>
             </a:r>
-            <a:endParaRPr lang="en-US" altLang="he-IL" dirty="0" smtClean="0"/>
           </a:p>
           <a:p>
             <a:r>
@@ -8283,13 +8251,7 @@
               <a:rPr lang="en-US" altLang="he-IL" b="1" dirty="0" smtClean="0">
                 <a:latin typeface="Calibri" panose="020F0502020204030204" pitchFamily="34" charset="0"/>
               </a:rPr>
-              <a:t>Dynamic</a:t>
-            </a:r>
-            <a:r>
-              <a:rPr lang="en-US" altLang="he-IL" b="1" dirty="0" smtClean="0">
-                <a:latin typeface="Calibri" panose="020F0502020204030204" pitchFamily="34" charset="0"/>
-              </a:rPr>
-              <a:t> distribution (same size)</a:t>
+              <a:t>Dynamic distribution (same size)</a:t>
             </a:r>
             <a:endParaRPr lang="en-US" altLang="he-IL" b="1" dirty="0">
               <a:latin typeface="Calibri" panose="020F0502020204030204" pitchFamily="34" charset="0"/>
@@ -9116,13 +9078,7 @@
               <a:rPr lang="en-US" altLang="he-IL" b="1" dirty="0" smtClean="0">
                 <a:latin typeface="Calibri" panose="020F0502020204030204" pitchFamily="34" charset="0"/>
               </a:rPr>
-              <a:t>Dynamic</a:t>
-            </a:r>
-            <a:r>
-              <a:rPr lang="en-US" altLang="he-IL" b="1" dirty="0" smtClean="0">
-                <a:latin typeface="Calibri" panose="020F0502020204030204" pitchFamily="34" charset="0"/>
-              </a:rPr>
-              <a:t> distribution (different size)</a:t>
+              <a:t>Dynamic distribution (different size)</a:t>
             </a:r>
             <a:endParaRPr lang="en-US" altLang="he-IL" b="1" dirty="0">
               <a:latin typeface="Calibri" panose="020F0502020204030204" pitchFamily="34" charset="0"/>
@@ -10121,11 +10077,7 @@
             </a:r>
             <a:r>
               <a:rPr lang="en-US" altLang="he-IL" dirty="0" smtClean="0"/>
-              <a:t>DNA sequence/Protein </a:t>
-            </a:r>
-            <a:r>
-              <a:rPr lang="en-US" altLang="he-IL" dirty="0" smtClean="0"/>
-              <a:t>is already present in </a:t>
+              <a:t>DNA sequence/Protein is already present in </a:t>
             </a:r>
             <a:r>
               <a:rPr lang="en-US" altLang="he-IL" dirty="0"/>
@@ -10561,8 +10513,21 @@
                   <a:srgbClr val="2F5897"/>
                 </a:solidFill>
               </a:rPr>
-              <a:t> dynamic data distribution with </a:t>
-            </a:r>
+              <a:t> dynamic data distribution </a:t>
+            </a:r>
+            <a:r>
+              <a:rPr lang="en-GB" dirty="0" smtClean="0">
+                <a:solidFill>
+                  <a:srgbClr val="2F5897"/>
+                </a:solidFill>
+              </a:rPr>
+              <a:t>with the provided input sequence and database but modifying the data partition function </a:t>
+            </a:r>
+            <a:endParaRPr lang="en-GB" dirty="0" smtClean="0">
+              <a:solidFill>
+                <a:srgbClr val="2F5897"/>
+              </a:solidFill>
+            </a:endParaRPr>
           </a:p>
         </p:txBody>
       </p:sp>
@@ -13014,15 +12979,7 @@
                   <a:srgbClr val="FF9900"/>
                 </a:solidFill>
               </a:rPr>
-              <a:t>Practical session – </a:t>
-            </a:r>
-            <a:r>
-              <a:rPr lang="en-US" b="1" dirty="0" smtClean="0">
-                <a:solidFill>
-                  <a:srgbClr val="FF9900"/>
-                </a:solidFill>
-              </a:rPr>
-              <a:t>Exercise</a:t>
+              <a:t>Practical session – Exercise</a:t>
             </a:r>
             <a:endParaRPr lang="en-US" b="1" dirty="0">
               <a:solidFill>
